--- a/docs/documentation/CWMS.pptx
+++ b/docs/documentation/CWMS.pptx
@@ -141,6 +141,9 @@
           </p14:sldIdLst>
         </p14:section>
       </p14:sectionLst>
+    </p:ext>
+    <p:ext uri="{EFAFB233-063F-42B5-8137-9DF3F51BA10A}">
+      <p15:sldGuideLst xmlns:p15="http://schemas.microsoft.com/office/powerpoint/2012/main"/>
     </p:ext>
   </p:extLst>
 </p:presentation>
@@ -4253,19 +4256,19 @@
     </dgm:pt>
   </dgm:ptLst>
   <dgm:cxnLst>
+    <dgm:cxn modelId="{CA1BE724-F7AA-45D3-AEC1-E496D5C3B2B1}" type="presOf" srcId="{B818C879-D7C9-494A-82B9-FE4956EA5A32}" destId="{DCD3060B-FEEB-4A4F-A1CC-146E0537A397}" srcOrd="0" destOrd="0" presId="urn:microsoft.com/office/officeart/2005/8/layout/hList1"/>
+    <dgm:cxn modelId="{0023D9A9-2243-45AB-BD45-FAF649E1E59B}" type="presOf" srcId="{4E32A315-06DE-499D-87E9-D2F219DCED19}" destId="{0085E855-2612-4C20-83F4-CD2093C36D03}" srcOrd="0" destOrd="0" presId="urn:microsoft.com/office/officeart/2005/8/layout/hList1"/>
+    <dgm:cxn modelId="{2407374B-701F-4139-9968-5E5B0EF44990}" type="presOf" srcId="{C965ED9C-EA31-4A4B-A066-2334ACEB247C}" destId="{DCD3060B-FEEB-4A4F-A1CC-146E0537A397}" srcOrd="0" destOrd="1" presId="urn:microsoft.com/office/officeart/2005/8/layout/hList1"/>
+    <dgm:cxn modelId="{3A6B6040-7670-437A-967F-920A3E4989A0}" srcId="{4E32A315-06DE-499D-87E9-D2F219DCED19}" destId="{E5038DFF-3C7D-4EA4-8198-9E1A649B69AF}" srcOrd="0" destOrd="0" parTransId="{C57D252E-469B-434C-AC72-EE80D14771C0}" sibTransId="{22866925-FB9D-4988-BBFB-146DE5E79EE4}"/>
+    <dgm:cxn modelId="{6410FE89-6AEE-4004-9206-34A36F6430F7}" srcId="{0FF26310-6FC0-479F-BD6F-B42C646D71D2}" destId="{4E32A315-06DE-499D-87E9-D2F219DCED19}" srcOrd="0" destOrd="0" parTransId="{6B0261D0-41DB-48BD-9699-27DE93DF38FF}" sibTransId="{DC5F4192-1EA9-4C0D-ACF1-089DB94A0386}"/>
     <dgm:cxn modelId="{BF6A890D-6BD9-4D74-81E0-CD97539E9DD3}" srcId="{42B5BAE0-E39F-4543-AC9A-B364240AA4F6}" destId="{B818C879-D7C9-494A-82B9-FE4956EA5A32}" srcOrd="0" destOrd="0" parTransId="{CBF6854C-E71E-4FD8-A775-9A3921EFEBEF}" sibTransId="{4E2B4960-116D-475B-8564-0E7181491177}"/>
+    <dgm:cxn modelId="{17867920-AA54-4C51-BDEE-03A7794276E3}" type="presOf" srcId="{42B5BAE0-E39F-4543-AC9A-B364240AA4F6}" destId="{ED8BA099-B98E-4075-AF99-0608EFD90474}" srcOrd="0" destOrd="0" presId="urn:microsoft.com/office/officeart/2005/8/layout/hList1"/>
+    <dgm:cxn modelId="{8A6CA7CC-3047-4B5F-A5B1-228558546EB6}" type="presOf" srcId="{65038517-4DF0-4EEC-9F4F-A5DE481F26D1}" destId="{A5DC40D5-53C1-4EAC-84FB-E579D8025F60}" srcOrd="0" destOrd="1" presId="urn:microsoft.com/office/officeart/2005/8/layout/hList1"/>
+    <dgm:cxn modelId="{ED36F8AD-25DE-4171-832E-B969EDDB9D94}" srcId="{42B5BAE0-E39F-4543-AC9A-B364240AA4F6}" destId="{C965ED9C-EA31-4A4B-A066-2334ACEB247C}" srcOrd="1" destOrd="0" parTransId="{4BAE5915-9F60-4644-85E8-9EEBB3DF214E}" sibTransId="{8DDA0E03-FB86-4161-8176-7625801FA265}"/>
+    <dgm:cxn modelId="{3E29F79F-4000-47D8-9DF2-35C1EC368DC2}" srcId="{0FF26310-6FC0-479F-BD6F-B42C646D71D2}" destId="{42B5BAE0-E39F-4543-AC9A-B364240AA4F6}" srcOrd="1" destOrd="0" parTransId="{388C66B9-35E7-4250-8FC3-648C56241391}" sibTransId="{DC95FE7E-76FE-4E4D-AED2-6BDA0B41FDB4}"/>
+    <dgm:cxn modelId="{40AD77FB-0CDB-4815-B6E6-BA0621622135}" type="presOf" srcId="{E5038DFF-3C7D-4EA4-8198-9E1A649B69AF}" destId="{A5DC40D5-53C1-4EAC-84FB-E579D8025F60}" srcOrd="0" destOrd="0" presId="urn:microsoft.com/office/officeart/2005/8/layout/hList1"/>
+    <dgm:cxn modelId="{4BD77905-4034-438B-8E81-46301E3E68C7}" srcId="{4E32A315-06DE-499D-87E9-D2F219DCED19}" destId="{65038517-4DF0-4EEC-9F4F-A5DE481F26D1}" srcOrd="1" destOrd="0" parTransId="{9C09E121-6C84-471D-890B-F6DED691B52D}" sibTransId="{A5279289-8660-4F5C-82C1-A0E364278307}"/>
     <dgm:cxn modelId="{807AB1B9-54A2-4F10-B016-412E4ECEE72F}" type="presOf" srcId="{0FF26310-6FC0-479F-BD6F-B42C646D71D2}" destId="{572C2027-15BE-4A43-AED4-EF4F50124CB9}" srcOrd="0" destOrd="0" presId="urn:microsoft.com/office/officeart/2005/8/layout/hList1"/>
-    <dgm:cxn modelId="{4BD77905-4034-438B-8E81-46301E3E68C7}" srcId="{4E32A315-06DE-499D-87E9-D2F219DCED19}" destId="{65038517-4DF0-4EEC-9F4F-A5DE481F26D1}" srcOrd="1" destOrd="0" parTransId="{9C09E121-6C84-471D-890B-F6DED691B52D}" sibTransId="{A5279289-8660-4F5C-82C1-A0E364278307}"/>
-    <dgm:cxn modelId="{ED36F8AD-25DE-4171-832E-B969EDDB9D94}" srcId="{42B5BAE0-E39F-4543-AC9A-B364240AA4F6}" destId="{C965ED9C-EA31-4A4B-A066-2334ACEB247C}" srcOrd="1" destOrd="0" parTransId="{4BAE5915-9F60-4644-85E8-9EEBB3DF214E}" sibTransId="{8DDA0E03-FB86-4161-8176-7625801FA265}"/>
-    <dgm:cxn modelId="{40AD77FB-0CDB-4815-B6E6-BA0621622135}" type="presOf" srcId="{E5038DFF-3C7D-4EA4-8198-9E1A649B69AF}" destId="{A5DC40D5-53C1-4EAC-84FB-E579D8025F60}" srcOrd="0" destOrd="0" presId="urn:microsoft.com/office/officeart/2005/8/layout/hList1"/>
-    <dgm:cxn modelId="{3A6B6040-7670-437A-967F-920A3E4989A0}" srcId="{4E32A315-06DE-499D-87E9-D2F219DCED19}" destId="{E5038DFF-3C7D-4EA4-8198-9E1A649B69AF}" srcOrd="0" destOrd="0" parTransId="{C57D252E-469B-434C-AC72-EE80D14771C0}" sibTransId="{22866925-FB9D-4988-BBFB-146DE5E79EE4}"/>
-    <dgm:cxn modelId="{0023D9A9-2243-45AB-BD45-FAF649E1E59B}" type="presOf" srcId="{4E32A315-06DE-499D-87E9-D2F219DCED19}" destId="{0085E855-2612-4C20-83F4-CD2093C36D03}" srcOrd="0" destOrd="0" presId="urn:microsoft.com/office/officeart/2005/8/layout/hList1"/>
-    <dgm:cxn modelId="{CA1BE724-F7AA-45D3-AEC1-E496D5C3B2B1}" type="presOf" srcId="{B818C879-D7C9-494A-82B9-FE4956EA5A32}" destId="{DCD3060B-FEEB-4A4F-A1CC-146E0537A397}" srcOrd="0" destOrd="0" presId="urn:microsoft.com/office/officeart/2005/8/layout/hList1"/>
-    <dgm:cxn modelId="{2407374B-701F-4139-9968-5E5B0EF44990}" type="presOf" srcId="{C965ED9C-EA31-4A4B-A066-2334ACEB247C}" destId="{DCD3060B-FEEB-4A4F-A1CC-146E0537A397}" srcOrd="0" destOrd="1" presId="urn:microsoft.com/office/officeart/2005/8/layout/hList1"/>
-    <dgm:cxn modelId="{17867920-AA54-4C51-BDEE-03A7794276E3}" type="presOf" srcId="{42B5BAE0-E39F-4543-AC9A-B364240AA4F6}" destId="{ED8BA099-B98E-4075-AF99-0608EFD90474}" srcOrd="0" destOrd="0" presId="urn:microsoft.com/office/officeart/2005/8/layout/hList1"/>
-    <dgm:cxn modelId="{6410FE89-6AEE-4004-9206-34A36F6430F7}" srcId="{0FF26310-6FC0-479F-BD6F-B42C646D71D2}" destId="{4E32A315-06DE-499D-87E9-D2F219DCED19}" srcOrd="0" destOrd="0" parTransId="{6B0261D0-41DB-48BD-9699-27DE93DF38FF}" sibTransId="{DC5F4192-1EA9-4C0D-ACF1-089DB94A0386}"/>
-    <dgm:cxn modelId="{8A6CA7CC-3047-4B5F-A5B1-228558546EB6}" type="presOf" srcId="{65038517-4DF0-4EEC-9F4F-A5DE481F26D1}" destId="{A5DC40D5-53C1-4EAC-84FB-E579D8025F60}" srcOrd="0" destOrd="1" presId="urn:microsoft.com/office/officeart/2005/8/layout/hList1"/>
-    <dgm:cxn modelId="{3E29F79F-4000-47D8-9DF2-35C1EC368DC2}" srcId="{0FF26310-6FC0-479F-BD6F-B42C646D71D2}" destId="{42B5BAE0-E39F-4543-AC9A-B364240AA4F6}" srcOrd="1" destOrd="0" parTransId="{388C66B9-35E7-4250-8FC3-648C56241391}" sibTransId="{DC95FE7E-76FE-4E4D-AED2-6BDA0B41FDB4}"/>
     <dgm:cxn modelId="{F37AF461-8E59-4B78-869C-1FA9D1F2ED00}" type="presParOf" srcId="{572C2027-15BE-4A43-AED4-EF4F50124CB9}" destId="{35D9E7C2-DE3C-462E-B6F1-C36703680C95}" srcOrd="0" destOrd="0" presId="urn:microsoft.com/office/officeart/2005/8/layout/hList1"/>
     <dgm:cxn modelId="{0C2FE097-8433-4FC9-8107-20E2C4188BA3}" type="presParOf" srcId="{35D9E7C2-DE3C-462E-B6F1-C36703680C95}" destId="{0085E855-2612-4C20-83F4-CD2093C36D03}" srcOrd="0" destOrd="0" presId="urn:microsoft.com/office/officeart/2005/8/layout/hList1"/>
     <dgm:cxn modelId="{9B10725D-815E-4962-9744-C4D9A9E290E8}" type="presParOf" srcId="{35D9E7C2-DE3C-462E-B6F1-C36703680C95}" destId="{A5DC40D5-53C1-4EAC-84FB-E579D8025F60}" srcOrd="1" destOrd="0" presId="urn:microsoft.com/office/officeart/2005/8/layout/hList1"/>
@@ -4383,7 +4386,6 @@
             <a:rPr lang="en-US" b="0" i="0" dirty="0"/>
             <a:t>Bootstrap allowed us to create a friendly and reliable user interface, that follows the official specifications provided for the project.</a:t>
           </a:r>
-          <a:endParaRPr lang="en-US" b="0" i="0" dirty="0"/>
         </a:p>
       </dgm:t>
     </dgm:pt>
@@ -4456,7 +4458,6 @@
             <a:rPr lang="en-US" b="0" i="0" dirty="0"/>
             <a:t> to its wide usability and simplicity of use. It provides a framework for a client-side MVC architecture. Additionally, it may be effortlessly extended and combined with CSS frameworks, such as Bootstrap.</a:t>
           </a:r>
-          <a:endParaRPr lang="en-US" b="0" i="0" dirty="0"/>
         </a:p>
       </dgm:t>
     </dgm:pt>
@@ -4625,15 +4626,15 @@
     </dgm:pt>
   </dgm:ptLst>
   <dgm:cxnLst>
-    <dgm:cxn modelId="{8AF8C91D-5B63-4740-8E48-BA49316A1BE6}" type="presOf" srcId="{55756643-4B6E-4335-8C31-F02A1E9E9B52}" destId="{63D03262-A630-4330-8FF6-86C03B1369CB}" srcOrd="0" destOrd="0" presId="urn:microsoft.com/office/officeart/2005/8/layout/vList3"/>
-    <dgm:cxn modelId="{69FD1728-19A4-4DAC-B141-FC389CE3E1F9}" type="presOf" srcId="{76749388-72C4-426F-AAA8-50F33FD2B8F2}" destId="{AC3539A7-23D9-40F5-9359-195E391EB613}" srcOrd="0" destOrd="0" presId="urn:microsoft.com/office/officeart/2005/8/layout/vList3"/>
-    <dgm:cxn modelId="{71D48F1D-9254-407C-B895-DCAA1A1BB085}" type="presOf" srcId="{4263CEEC-2975-4442-8FCD-61BD04E7F807}" destId="{9D8A2695-C365-4F7D-BA69-1C1CDF5CDF88}" srcOrd="0" destOrd="0" presId="urn:microsoft.com/office/officeart/2005/8/layout/vList3"/>
+    <dgm:cxn modelId="{52F5DD4B-CB8C-42C3-89CE-0BD997222E10}" type="presOf" srcId="{5058824C-5E52-40AF-B15C-0E11FFB9BC42}" destId="{14AE4052-0E54-489A-93D6-760AB29AD06F}" srcOrd="0" destOrd="0" presId="urn:microsoft.com/office/officeart/2005/8/layout/vList3"/>
     <dgm:cxn modelId="{726668F1-3602-4CB3-9CAC-89E122F4F492}" srcId="{4263CEEC-2975-4442-8FCD-61BD04E7F807}" destId="{C29302A7-C9C3-4C54-9C19-B4F57296D69E}" srcOrd="2" destOrd="0" parTransId="{B98858D9-FED8-4260-9EB7-753BC07694A2}" sibTransId="{2283DED2-09F4-438C-B666-A1D12D1894E7}"/>
     <dgm:cxn modelId="{F6EA6C67-75DF-4F37-9E35-1E29D38E0860}" srcId="{4263CEEC-2975-4442-8FCD-61BD04E7F807}" destId="{55756643-4B6E-4335-8C31-F02A1E9E9B52}" srcOrd="1" destOrd="0" parTransId="{27A4099F-13CC-4D7E-8292-F7984D8B7F17}" sibTransId="{92559E26-4D9E-412F-B2D3-355ACBCE5A69}"/>
-    <dgm:cxn modelId="{52F5DD4B-CB8C-42C3-89CE-0BD997222E10}" type="presOf" srcId="{5058824C-5E52-40AF-B15C-0E11FFB9BC42}" destId="{14AE4052-0E54-489A-93D6-760AB29AD06F}" srcOrd="0" destOrd="0" presId="urn:microsoft.com/office/officeart/2005/8/layout/vList3"/>
+    <dgm:cxn modelId="{E0DDC5A7-8CCF-4521-94F7-8887B6878360}" type="presOf" srcId="{C29302A7-C9C3-4C54-9C19-B4F57296D69E}" destId="{53E85208-3855-47DC-9D6E-D3DB7C469191}" srcOrd="0" destOrd="0" presId="urn:microsoft.com/office/officeart/2005/8/layout/vList3"/>
+    <dgm:cxn modelId="{71D48F1D-9254-407C-B895-DCAA1A1BB085}" type="presOf" srcId="{4263CEEC-2975-4442-8FCD-61BD04E7F807}" destId="{9D8A2695-C365-4F7D-BA69-1C1CDF5CDF88}" srcOrd="0" destOrd="0" presId="urn:microsoft.com/office/officeart/2005/8/layout/vList3"/>
+    <dgm:cxn modelId="{8AF8C91D-5B63-4740-8E48-BA49316A1BE6}" type="presOf" srcId="{55756643-4B6E-4335-8C31-F02A1E9E9B52}" destId="{63D03262-A630-4330-8FF6-86C03B1369CB}" srcOrd="0" destOrd="0" presId="urn:microsoft.com/office/officeart/2005/8/layout/vList3"/>
+    <dgm:cxn modelId="{21BE26D9-5301-4E6E-81F7-CBA3B63C837C}" srcId="{4263CEEC-2975-4442-8FCD-61BD04E7F807}" destId="{5058824C-5E52-40AF-B15C-0E11FFB9BC42}" srcOrd="0" destOrd="0" parTransId="{2E719453-F0C0-423F-96DC-CBB3B07D2DC2}" sibTransId="{148F89CF-B3CD-49BF-B9C5-6CBB5DCF5E57}"/>
+    <dgm:cxn modelId="{69FD1728-19A4-4DAC-B141-FC389CE3E1F9}" type="presOf" srcId="{76749388-72C4-426F-AAA8-50F33FD2B8F2}" destId="{AC3539A7-23D9-40F5-9359-195E391EB613}" srcOrd="0" destOrd="0" presId="urn:microsoft.com/office/officeart/2005/8/layout/vList3"/>
     <dgm:cxn modelId="{557B008E-6661-4102-B003-0FA57F7CE1BB}" srcId="{4263CEEC-2975-4442-8FCD-61BD04E7F807}" destId="{76749388-72C4-426F-AAA8-50F33FD2B8F2}" srcOrd="3" destOrd="0" parTransId="{2F7E815A-6DF1-484D-B4F4-D3B54555E969}" sibTransId="{71858D7D-8F5E-43B2-A12C-6A20821137C7}"/>
-    <dgm:cxn modelId="{E0DDC5A7-8CCF-4521-94F7-8887B6878360}" type="presOf" srcId="{C29302A7-C9C3-4C54-9C19-B4F57296D69E}" destId="{53E85208-3855-47DC-9D6E-D3DB7C469191}" srcOrd="0" destOrd="0" presId="urn:microsoft.com/office/officeart/2005/8/layout/vList3"/>
-    <dgm:cxn modelId="{21BE26D9-5301-4E6E-81F7-CBA3B63C837C}" srcId="{4263CEEC-2975-4442-8FCD-61BD04E7F807}" destId="{5058824C-5E52-40AF-B15C-0E11FFB9BC42}" srcOrd="0" destOrd="0" parTransId="{2E719453-F0C0-423F-96DC-CBB3B07D2DC2}" sibTransId="{148F89CF-B3CD-49BF-B9C5-6CBB5DCF5E57}"/>
     <dgm:cxn modelId="{77085F45-56C2-49DD-BB4D-28FC60481E14}" type="presParOf" srcId="{9D8A2695-C365-4F7D-BA69-1C1CDF5CDF88}" destId="{B49909C2-3D1A-4D6C-A0FC-6A08F79B764E}" srcOrd="0" destOrd="0" presId="urn:microsoft.com/office/officeart/2005/8/layout/vList3"/>
     <dgm:cxn modelId="{FD2E0645-C81D-46D7-8864-E757246A06AA}" type="presParOf" srcId="{B49909C2-3D1A-4D6C-A0FC-6A08F79B764E}" destId="{1D0E96AA-B862-40DB-AF00-CB0E31A30FB0}" srcOrd="0" destOrd="0" presId="urn:microsoft.com/office/officeart/2005/8/layout/vList3"/>
     <dgm:cxn modelId="{566675ED-41DF-45DC-A8E6-858276BDCB7B}" type="presParOf" srcId="{B49909C2-3D1A-4D6C-A0FC-6A08F79B764E}" destId="{14AE4052-0E54-489A-93D6-760AB29AD06F}" srcOrd="1" destOrd="0" presId="urn:microsoft.com/office/officeart/2005/8/layout/vList3"/>
@@ -4782,9 +4783,9 @@
     </dgm:pt>
   </dgm:ptLst>
   <dgm:cxnLst>
+    <dgm:cxn modelId="{D62E0A2F-5DF0-4075-8622-FEFF109235F6}" srcId="{EA6CE819-F993-4319-88B5-83016364DDB5}" destId="{E68DDE12-62B7-4CEF-BE44-BCE797251375}" srcOrd="0" destOrd="0" parTransId="{3930C298-E311-428E-9FA2-E98A44458446}" sibTransId="{97D77548-B2D1-4B8E-AB1E-54887E83BC1D}"/>
     <dgm:cxn modelId="{75458C7F-FBBE-456D-87BA-2EE2E86FB1A0}" type="presOf" srcId="{EA6CE819-F993-4319-88B5-83016364DDB5}" destId="{2FF443B5-1718-4A61-9B89-FE363281948F}" srcOrd="0" destOrd="0" presId="urn:microsoft.com/office/officeart/2005/8/layout/vList3"/>
     <dgm:cxn modelId="{66F83CE6-5F0A-44A4-8B71-BB622CD35E1C}" type="presOf" srcId="{E68DDE12-62B7-4CEF-BE44-BCE797251375}" destId="{D858D5C5-76EE-4DA4-8AD0-7A656DC409C9}" srcOrd="0" destOrd="0" presId="urn:microsoft.com/office/officeart/2005/8/layout/vList3"/>
-    <dgm:cxn modelId="{D62E0A2F-5DF0-4075-8622-FEFF109235F6}" srcId="{EA6CE819-F993-4319-88B5-83016364DDB5}" destId="{E68DDE12-62B7-4CEF-BE44-BCE797251375}" srcOrd="0" destOrd="0" parTransId="{3930C298-E311-428E-9FA2-E98A44458446}" sibTransId="{97D77548-B2D1-4B8E-AB1E-54887E83BC1D}"/>
     <dgm:cxn modelId="{FFF1508F-2432-409B-B251-36F5F9D632F4}" type="presParOf" srcId="{2FF443B5-1718-4A61-9B89-FE363281948F}" destId="{83A1E26D-B8A4-4913-A633-BBB33F080B38}" srcOrd="0" destOrd="0" presId="urn:microsoft.com/office/officeart/2005/8/layout/vList3"/>
     <dgm:cxn modelId="{925DAE91-8ABC-4D9B-B8B2-E1DF5911CB17}" type="presParOf" srcId="{83A1E26D-B8A4-4913-A633-BBB33F080B38}" destId="{0457B206-7392-4E7E-B6CE-486C1B339065}" srcOrd="0" destOrd="0" presId="urn:microsoft.com/office/officeart/2005/8/layout/vList3"/>
     <dgm:cxn modelId="{E1D2C33D-942A-428C-8BD8-6936EF09EDBC}" type="presParOf" srcId="{83A1E26D-B8A4-4913-A633-BBB33F080B38}" destId="{D858D5C5-76EE-4DA4-8AD0-7A656DC409C9}" srcOrd="1" destOrd="0" presId="urn:microsoft.com/office/officeart/2005/8/layout/vList3"/>
@@ -5805,7 +5806,6 @@
             <a:rPr lang="en-US" sz="1300" b="0" i="0" kern="1200" dirty="0"/>
             <a:t> to its wide usability and simplicity of use. It provides a framework for a client-side MVC architecture. Additionally, it may be effortlessly extended and combined with CSS frameworks, such as Bootstrap.</a:t>
           </a:r>
-          <a:endParaRPr lang="en-US" sz="1300" b="0" i="0" kern="1200" dirty="0"/>
         </a:p>
       </dsp:txBody>
       <dsp:txXfrm rot="10800000">
@@ -5935,7 +5935,6 @@
             <a:rPr lang="en-US" sz="1300" b="0" i="0" kern="1200" dirty="0"/>
             <a:t>Bootstrap allowed us to create a friendly and reliable user interface, that follows the official specifications provided for the project.</a:t>
           </a:r>
-          <a:endParaRPr lang="en-US" sz="1300" b="0" i="0" kern="1200" dirty="0"/>
         </a:p>
       </dsp:txBody>
       <dsp:txXfrm rot="10800000">
@@ -18505,6 +18504,18 @@
   <p:clrMapOvr>
     <a:masterClrMapping/>
   </p:clrMapOvr>
+  <mc:AlternateContent xmlns:mc="http://schemas.openxmlformats.org/markup-compatibility/2006">
+    <mc:Choice xmlns:p14="http://schemas.microsoft.com/office/powerpoint/2010/main" Requires="p14">
+      <p:transition spd="med" p14:dur="700">
+        <p:fade/>
+      </p:transition>
+    </mc:Choice>
+    <mc:Fallback>
+      <p:transition spd="med">
+        <p:fade/>
+      </p:transition>
+    </mc:Fallback>
+  </mc:AlternateContent>
 </p:sld>
 </file>
 
@@ -18722,6 +18733,18 @@
   <p:clrMapOvr>
     <a:masterClrMapping/>
   </p:clrMapOvr>
+  <mc:AlternateContent xmlns:mc="http://schemas.openxmlformats.org/markup-compatibility/2006">
+    <mc:Choice xmlns:p14="http://schemas.microsoft.com/office/powerpoint/2010/main" Requires="p14">
+      <p:transition spd="med" p14:dur="700">
+        <p:fade/>
+      </p:transition>
+    </mc:Choice>
+    <mc:Fallback>
+      <p:transition spd="med">
+        <p:fade/>
+      </p:transition>
+    </mc:Fallback>
+  </mc:AlternateContent>
 </p:sld>
 </file>
 
@@ -18804,6 +18827,18 @@
   <p:clrMapOvr>
     <a:masterClrMapping/>
   </p:clrMapOvr>
+  <mc:AlternateContent xmlns:mc="http://schemas.openxmlformats.org/markup-compatibility/2006">
+    <mc:Choice xmlns:p14="http://schemas.microsoft.com/office/powerpoint/2010/main" Requires="p14">
+      <p:transition spd="med" p14:dur="700">
+        <p:fade/>
+      </p:transition>
+    </mc:Choice>
+    <mc:Fallback>
+      <p:transition spd="med">
+        <p:fade/>
+      </p:transition>
+    </mc:Fallback>
+  </mc:AlternateContent>
 </p:sld>
 </file>
 
@@ -18886,6 +18921,18 @@
   <p:clrMapOvr>
     <a:masterClrMapping/>
   </p:clrMapOvr>
+  <mc:AlternateContent xmlns:mc="http://schemas.openxmlformats.org/markup-compatibility/2006">
+    <mc:Choice xmlns:p14="http://schemas.microsoft.com/office/powerpoint/2010/main" Requires="p14">
+      <p:transition spd="med" p14:dur="700">
+        <p:fade/>
+      </p:transition>
+    </mc:Choice>
+    <mc:Fallback>
+      <p:transition spd="med">
+        <p:fade/>
+      </p:transition>
+    </mc:Fallback>
+  </mc:AlternateContent>
 </p:sld>
 </file>
 
@@ -18986,6 +19033,18 @@
   <p:clrMapOvr>
     <a:masterClrMapping/>
   </p:clrMapOvr>
+  <mc:AlternateContent xmlns:mc="http://schemas.openxmlformats.org/markup-compatibility/2006">
+    <mc:Choice xmlns:p14="http://schemas.microsoft.com/office/powerpoint/2010/main" Requires="p14">
+      <p:transition spd="med" p14:dur="700">
+        <p:fade/>
+      </p:transition>
+    </mc:Choice>
+    <mc:Fallback>
+      <p:transition spd="med">
+        <p:fade/>
+      </p:transition>
+    </mc:Fallback>
+  </mc:AlternateContent>
 </p:sld>
 </file>
 
@@ -19068,6 +19127,18 @@
   <p:clrMapOvr>
     <a:masterClrMapping/>
   </p:clrMapOvr>
+  <mc:AlternateContent xmlns:mc="http://schemas.openxmlformats.org/markup-compatibility/2006">
+    <mc:Choice xmlns:p14="http://schemas.microsoft.com/office/powerpoint/2010/main" Requires="p14">
+      <p:transition spd="med" p14:dur="700">
+        <p:fade/>
+      </p:transition>
+    </mc:Choice>
+    <mc:Fallback>
+      <p:transition spd="med">
+        <p:fade/>
+      </p:transition>
+    </mc:Fallback>
+  </mc:AlternateContent>
 </p:sld>
 </file>
 
@@ -19150,6 +19221,18 @@
   <p:clrMapOvr>
     <a:masterClrMapping/>
   </p:clrMapOvr>
+  <mc:AlternateContent xmlns:mc="http://schemas.openxmlformats.org/markup-compatibility/2006">
+    <mc:Choice xmlns:p14="http://schemas.microsoft.com/office/powerpoint/2010/main" Requires="p14">
+      <p:transition spd="med" p14:dur="700">
+        <p:fade/>
+      </p:transition>
+    </mc:Choice>
+    <mc:Fallback>
+      <p:transition spd="med">
+        <p:fade/>
+      </p:transition>
+    </mc:Fallback>
+  </mc:AlternateContent>
 </p:sld>
 </file>
 
@@ -19252,7 +19335,6 @@
               <a:rPr lang="en-US" sz="1600" dirty="0"/>
               <a:t>documentation</a:t>
             </a:r>
-            <a:endParaRPr lang="en-US" sz="1600" dirty="0"/>
           </a:p>
           <a:p>
             <a:r>
@@ -19327,7 +19409,6 @@
               <a:rPr lang="en-US" sz="1600" dirty="0"/>
               <a:t>development</a:t>
             </a:r>
-            <a:endParaRPr lang="en-US" sz="1600" dirty="0"/>
           </a:p>
           <a:p>
             <a:r>
@@ -19427,6 +19508,18 @@
   <p:clrMapOvr>
     <a:masterClrMapping/>
   </p:clrMapOvr>
+  <mc:AlternateContent xmlns:mc="http://schemas.openxmlformats.org/markup-compatibility/2006">
+    <mc:Choice xmlns:p14="http://schemas.microsoft.com/office/powerpoint/2010/main" Requires="p14">
+      <p:transition spd="med" p14:dur="700">
+        <p:fade/>
+      </p:transition>
+    </mc:Choice>
+    <mc:Fallback>
+      <p:transition spd="med">
+        <p:fade/>
+      </p:transition>
+    </mc:Fallback>
+  </mc:AlternateContent>
 </p:sld>
 </file>
 
@@ -19489,6 +19582,18 @@
   <p:clrMapOvr>
     <a:masterClrMapping/>
   </p:clrMapOvr>
+  <mc:AlternateContent xmlns:mc="http://schemas.openxmlformats.org/markup-compatibility/2006">
+    <mc:Choice xmlns:p14="http://schemas.microsoft.com/office/powerpoint/2010/main" Requires="p14">
+      <p:transition spd="med" p14:dur="700">
+        <p:fade/>
+      </p:transition>
+    </mc:Choice>
+    <mc:Fallback>
+      <p:transition spd="med">
+        <p:fade/>
+      </p:transition>
+    </mc:Fallback>
+  </mc:AlternateContent>
 </p:sld>
 </file>
 

--- a/docs/documentation/CWMS.pptx
+++ b/docs/documentation/CWMS.pptx
@@ -8727,7 +8727,7 @@
       <dgm:spPr/>
     </dgm:pt>
     <dgm:pt modelId="{A5DC40D5-53C1-4EAC-84FB-E579D8025F60}" type="pres">
-      <dgm:prSet presAssocID="{4E32A315-06DE-499D-87E9-D2F219DCED19}" presName="desTx" presStyleLbl="alignAccFollowNode1" presStyleIdx="0" presStyleCnt="2" custScaleY="93844">
+      <dgm:prSet presAssocID="{4E32A315-06DE-499D-87E9-D2F219DCED19}" presName="desTx" presStyleLbl="alignAccFollowNode1" presStyleIdx="0" presStyleCnt="2" custScaleY="93844" custLinFactNeighborX="-190" custLinFactNeighborY="-3714">
         <dgm:presLayoutVars>
           <dgm:bulletEnabled val="1"/>
         </dgm:presLayoutVars>
@@ -8984,8 +8984,8 @@
     <dgm:cxn modelId="{7254C10D-1683-4285-8425-08BD1FBB3DF0}" srcId="{FD740DCF-442A-4980-A287-2F71DF1EEDE4}" destId="{5F4D9647-17B1-4E3B-B82B-10A488A23C12}" srcOrd="0" destOrd="0" parTransId="{F0502BFF-650C-4377-825B-73291F652119}" sibTransId="{35620755-E7A1-4A19-8FF9-E51C0E203411}"/>
     <dgm:cxn modelId="{1A06B480-D19B-493C-B65D-CA8B05EBDCA5}" type="presOf" srcId="{8C406133-1113-44D8-9917-E7F717FDA856}" destId="{40FB8B18-BEE4-49C6-8C2B-EA7D91A617E7}" srcOrd="0" destOrd="1" presId="urn:microsoft.com/office/officeart/2005/8/layout/hList1"/>
     <dgm:cxn modelId="{F2CC0443-8EC1-4535-A05D-49A25CC384F2}" type="presOf" srcId="{5F4D9647-17B1-4E3B-B82B-10A488A23C12}" destId="{8E1E662B-DF49-42FD-BF87-5A2E27D573A9}" srcOrd="0" destOrd="0" presId="urn:microsoft.com/office/officeart/2005/8/layout/hList1"/>
+    <dgm:cxn modelId="{46D32C17-7C09-440F-A387-F68CAECFEF91}" type="presOf" srcId="{FD740DCF-442A-4980-A287-2F71DF1EEDE4}" destId="{09128BBF-6578-42D5-B134-BD627C5FE18D}" srcOrd="0" destOrd="0" presId="urn:microsoft.com/office/officeart/2005/8/layout/hList1"/>
     <dgm:cxn modelId="{F1C9ED0A-D08B-45E3-AA8C-0454B0F9CBF7}" srcId="{5F4D9647-17B1-4E3B-B82B-10A488A23C12}" destId="{79144F06-3C53-4F64-AF7A-B7BED730B740}" srcOrd="0" destOrd="0" parTransId="{DDC83C6A-6FB1-456B-B8A2-B4381B55706A}" sibTransId="{EBDA8ED0-ECDC-4FAE-89A7-A41839BD9F5F}"/>
-    <dgm:cxn modelId="{46D32C17-7C09-440F-A387-F68CAECFEF91}" type="presOf" srcId="{FD740DCF-442A-4980-A287-2F71DF1EEDE4}" destId="{09128BBF-6578-42D5-B134-BD627C5FE18D}" srcOrd="0" destOrd="0" presId="urn:microsoft.com/office/officeart/2005/8/layout/hList1"/>
     <dgm:cxn modelId="{01C09AB5-367E-43CC-A574-3228E50C1954}" srcId="{5F4D9647-17B1-4E3B-B82B-10A488A23C12}" destId="{8C406133-1113-44D8-9917-E7F717FDA856}" srcOrd="1" destOrd="0" parTransId="{2DB4F40A-29AB-4197-9876-7CF55D0051DC}" sibTransId="{B3531181-24CA-4FC8-9C7E-22504607C1A3}"/>
     <dgm:cxn modelId="{50DFE191-762A-4A69-8021-BFD7DD1A1FD0}" type="presParOf" srcId="{09128BBF-6578-42D5-B134-BD627C5FE18D}" destId="{705E4764-69F4-46B1-A85A-8F46E8434294}" srcOrd="0" destOrd="0" presId="urn:microsoft.com/office/officeart/2005/8/layout/hList1"/>
     <dgm:cxn modelId="{42C7ED75-9390-4B24-8007-94EBE2D5BDDC}" type="presParOf" srcId="{705E4764-69F4-46B1-A85A-8F46E8434294}" destId="{8E1E662B-DF49-42FD-BF87-5A2E27D573A9}" srcOrd="0" destOrd="0" presId="urn:microsoft.com/office/officeart/2005/8/layout/hList1"/>
@@ -9191,8 +9191,8 @@
     <dgm:cxn modelId="{DF8E8545-4152-461A-9D2C-C04031128A45}" type="presOf" srcId="{19596673-B99C-443D-AFED-9D7E4DED7ECD}" destId="{30D5773C-4CC0-44E2-98CA-1E3D1F1EB50C}" srcOrd="0" destOrd="0" presId="urn:microsoft.com/office/officeart/2005/8/layout/hList1"/>
     <dgm:cxn modelId="{8D3EB1F0-5BD1-43EE-AA84-367C76F3E6EB}" srcId="{7669AFC6-5432-4D8B-8AB4-177D4CFD7942}" destId="{2C95C947-DA26-4719-A1D6-53176D0FD5ED}" srcOrd="0" destOrd="0" parTransId="{3B8B109A-7DF4-4DC2-8FF8-86753F3CFC05}" sibTransId="{34069C41-982D-4371-A37B-0189AFB8BDAD}"/>
     <dgm:cxn modelId="{975575D0-C11B-4132-A41D-66C34BA3F25F}" srcId="{19596673-B99C-443D-AFED-9D7E4DED7ECD}" destId="{7669AFC6-5432-4D8B-8AB4-177D4CFD7942}" srcOrd="0" destOrd="0" parTransId="{15895239-B43B-48CF-B34A-E6AECFC4331A}" sibTransId="{53444464-5D74-4DDF-BCC4-FA2BF72DEE17}"/>
+    <dgm:cxn modelId="{D046F957-F5EB-498E-BA31-8D99351116FE}" type="presOf" srcId="{7669AFC6-5432-4D8B-8AB4-177D4CFD7942}" destId="{6C9C054A-3764-44CE-98FD-D9DEE8F2F0BF}" srcOrd="0" destOrd="0" presId="urn:microsoft.com/office/officeart/2005/8/layout/hList1"/>
     <dgm:cxn modelId="{8A9F75B9-1A1C-4CAF-AABA-C0F79767EFF9}" type="presOf" srcId="{2C95C947-DA26-4719-A1D6-53176D0FD5ED}" destId="{673D60BE-B1F1-4D0C-8DC1-9A4FACDE1149}" srcOrd="0" destOrd="0" presId="urn:microsoft.com/office/officeart/2005/8/layout/hList1"/>
-    <dgm:cxn modelId="{D046F957-F5EB-498E-BA31-8D99351116FE}" type="presOf" srcId="{7669AFC6-5432-4D8B-8AB4-177D4CFD7942}" destId="{6C9C054A-3764-44CE-98FD-D9DEE8F2F0BF}" srcOrd="0" destOrd="0" presId="urn:microsoft.com/office/officeart/2005/8/layout/hList1"/>
     <dgm:cxn modelId="{8A21F0AA-D314-4B79-BBF2-95D238373E34}" srcId="{7669AFC6-5432-4D8B-8AB4-177D4CFD7942}" destId="{8D8763B5-7C34-4B68-B0CC-10BB93A7F2F6}" srcOrd="1" destOrd="0" parTransId="{BF17B7F3-2D98-431F-8558-75948C9587BD}" sibTransId="{D5FD497F-499F-497B-9043-0D83C32BCE9B}"/>
     <dgm:cxn modelId="{46E20AF2-4343-4EAB-BF1F-74D9FF984C56}" type="presOf" srcId="{8D8763B5-7C34-4B68-B0CC-10BB93A7F2F6}" destId="{673D60BE-B1F1-4D0C-8DC1-9A4FACDE1149}" srcOrd="0" destOrd="1" presId="urn:microsoft.com/office/officeart/2005/8/layout/hList1"/>
     <dgm:cxn modelId="{1F524F0F-A012-440C-B295-1334ACFB575B}" type="presParOf" srcId="{30D5773C-4CC0-44E2-98CA-1E3D1F1EB50C}" destId="{93688D6E-C11E-435F-B4C6-6F925DE6BF4F}" srcOrd="0" destOrd="0" presId="urn:microsoft.com/office/officeart/2005/8/layout/hList1"/>
@@ -10606,7 +10606,7 @@
       <dgm:spPr/>
     </dgm:pt>
     <dgm:pt modelId="{0CC3C8D4-C9C5-4F3A-9CF2-B7B4306B6029}" type="pres">
-      <dgm:prSet presAssocID="{613D1EC7-04CF-45DB-A7DE-B84D29CEC2B1}" presName="desTx" presStyleLbl="alignAccFollowNode1" presStyleIdx="0" presStyleCnt="1" custLinFactNeighborY="15308">
+      <dgm:prSet presAssocID="{613D1EC7-04CF-45DB-A7DE-B84D29CEC2B1}" presName="desTx" presStyleLbl="alignAccFollowNode1" presStyleIdx="0" presStyleCnt="1" custLinFactNeighborY="-300">
         <dgm:presLayoutVars>
           <dgm:bulletEnabled val="1"/>
         </dgm:presLayoutVars>
@@ -10917,8 +10917,8 @@
   <dgm:cxnLst>
     <dgm:cxn modelId="{268E190D-CD49-4044-B14E-3C60D4FAFECA}" srcId="{4F55C5BC-37F3-4119-A395-3C135107E7EB}" destId="{3DEFDD1E-4B67-4769-9DC4-1A3CE86C4C9D}" srcOrd="0" destOrd="0" parTransId="{50EB8F52-88D0-4EA1-80A7-996840E2150D}" sibTransId="{48618663-14DE-4439-AAED-C6771829B44A}"/>
     <dgm:cxn modelId="{9E8FE318-7FE8-496A-9AEC-A0BCC6CF3A88}" type="presOf" srcId="{81E495AC-B042-4B81-B306-0B7A10ACA34F}" destId="{CB8EFA39-4C8E-40DD-A28F-7B6D001E3944}" srcOrd="0" destOrd="0" presId="urn:microsoft.com/office/officeart/2005/8/layout/hList1"/>
+    <dgm:cxn modelId="{CCC48064-0468-4E4F-9C70-FBA7639F4F90}" type="presOf" srcId="{3DEFDD1E-4B67-4769-9DC4-1A3CE86C4C9D}" destId="{A98965DC-33A2-40C1-9C20-C8196759D9A9}" srcOrd="0" destOrd="0" presId="urn:microsoft.com/office/officeart/2005/8/layout/hList1"/>
     <dgm:cxn modelId="{B96A0C2A-2EEF-44AE-8012-D4693592550F}" srcId="{3DEFDD1E-4B67-4769-9DC4-1A3CE86C4C9D}" destId="{81E495AC-B042-4B81-B306-0B7A10ACA34F}" srcOrd="0" destOrd="0" parTransId="{A5ABF4F3-5884-470B-B341-25C610972DF7}" sibTransId="{8E1E45F6-0169-4359-9E37-2830A9685279}"/>
-    <dgm:cxn modelId="{CCC48064-0468-4E4F-9C70-FBA7639F4F90}" type="presOf" srcId="{3DEFDD1E-4B67-4769-9DC4-1A3CE86C4C9D}" destId="{A98965DC-33A2-40C1-9C20-C8196759D9A9}" srcOrd="0" destOrd="0" presId="urn:microsoft.com/office/officeart/2005/8/layout/hList1"/>
     <dgm:cxn modelId="{432FF6E2-4F78-45A5-899B-39689AD28C31}" type="presOf" srcId="{4F55C5BC-37F3-4119-A395-3C135107E7EB}" destId="{11F0E7BB-5F92-4A23-8C74-1517EB7657E9}" srcOrd="0" destOrd="0" presId="urn:microsoft.com/office/officeart/2005/8/layout/hList1"/>
     <dgm:cxn modelId="{9B53BD75-7E0C-41E3-A74E-02AD73F69A58}" type="presParOf" srcId="{11F0E7BB-5F92-4A23-8C74-1517EB7657E9}" destId="{796D3B19-F820-4719-AF5B-52776B91FC2F}" srcOrd="0" destOrd="0" presId="urn:microsoft.com/office/officeart/2005/8/layout/hList1"/>
     <dgm:cxn modelId="{15A461BE-C8B4-4142-BC8A-82BA8EB89FB7}" type="presParOf" srcId="{796D3B19-F820-4719-AF5B-52776B91FC2F}" destId="{A98965DC-33A2-40C1-9C20-C8196759D9A9}" srcOrd="0" destOrd="0" presId="urn:microsoft.com/office/officeart/2005/8/layout/hList1"/>
@@ -11167,8 +11167,8 @@
     <dgm:cxn modelId="{B8DD742F-0960-4D00-95D4-DE7C2AC2CF2E}" srcId="{0A61CCF9-6DFC-4AF9-A121-8CBB337C4EF1}" destId="{5EE08A3A-AEC3-49F2-9B3E-03EC95062731}" srcOrd="1" destOrd="0" parTransId="{9BC012EA-9EF5-409C-AEAD-341C8EFE9D0D}" sibTransId="{94FECE6C-95B2-4BE3-B073-99813BE9A4FF}"/>
     <dgm:cxn modelId="{2E68C73C-52CC-46CE-BD75-0AA9DDE81379}" type="presOf" srcId="{5EE08A3A-AEC3-49F2-9B3E-03EC95062731}" destId="{D372B83A-E8B7-45FB-90F7-908FA7E76107}" srcOrd="0" destOrd="1" presId="urn:microsoft.com/office/officeart/2005/8/layout/hList1"/>
     <dgm:cxn modelId="{340C998F-8B84-4835-9F0A-AA0D0D234AFA}" type="presOf" srcId="{0A61CCF9-6DFC-4AF9-A121-8CBB337C4EF1}" destId="{3A53105C-21C1-4E42-B995-73B8DC63555F}" srcOrd="0" destOrd="0" presId="urn:microsoft.com/office/officeart/2005/8/layout/hList1"/>
+    <dgm:cxn modelId="{F494BE4D-AE36-41F0-8DC1-97E58D628772}" srcId="{0A61CCF9-6DFC-4AF9-A121-8CBB337C4EF1}" destId="{AE8FA957-398A-449F-A736-D35188D7914E}" srcOrd="0" destOrd="0" parTransId="{73034667-1E61-4265-A51B-75EA1D1C5A62}" sibTransId="{1D999214-123F-4DD3-B5D6-ADE95EF1CEA3}"/>
     <dgm:cxn modelId="{3B28355F-9A4C-45E8-9182-FD72D7724CF4}" type="presOf" srcId="{AE8FA957-398A-449F-A736-D35188D7914E}" destId="{D372B83A-E8B7-45FB-90F7-908FA7E76107}" srcOrd="0" destOrd="0" presId="urn:microsoft.com/office/officeart/2005/8/layout/hList1"/>
-    <dgm:cxn modelId="{F494BE4D-AE36-41F0-8DC1-97E58D628772}" srcId="{0A61CCF9-6DFC-4AF9-A121-8CBB337C4EF1}" destId="{AE8FA957-398A-449F-A736-D35188D7914E}" srcOrd="0" destOrd="0" parTransId="{73034667-1E61-4265-A51B-75EA1D1C5A62}" sibTransId="{1D999214-123F-4DD3-B5D6-ADE95EF1CEA3}"/>
     <dgm:cxn modelId="{E1F8C0FE-3A38-49C2-A2B6-2B5DEA90B3C2}" type="presParOf" srcId="{D7AEE80B-6D41-435C-B5F7-C9B03C4B49D4}" destId="{BE16B146-A7ED-4F2B-B832-439BCAF227A6}" srcOrd="0" destOrd="0" presId="urn:microsoft.com/office/officeart/2005/8/layout/hList1"/>
     <dgm:cxn modelId="{79633E00-8962-4BDC-B568-B6773D5AF40A}" type="presParOf" srcId="{BE16B146-A7ED-4F2B-B832-439BCAF227A6}" destId="{3A53105C-21C1-4E42-B995-73B8DC63555F}" srcOrd="0" destOrd="0" presId="urn:microsoft.com/office/officeart/2005/8/layout/hList1"/>
     <dgm:cxn modelId="{A0407BFD-F8D3-4B19-AAFD-220AAB752494}" type="presParOf" srcId="{BE16B146-A7ED-4F2B-B832-439BCAF227A6}" destId="{D372B83A-E8B7-45FB-90F7-908FA7E76107}" srcOrd="1" destOrd="0" presId="urn:microsoft.com/office/officeart/2005/8/layout/hList1"/>
@@ -11283,7 +11283,7 @@
       </dsp:nvSpPr>
       <dsp:spPr>
         <a:xfrm>
-          <a:off x="43" y="1255251"/>
+          <a:off x="0" y="1191635"/>
           <a:ext cx="4180585" cy="1607435"/>
         </a:xfrm>
         <a:prstGeom prst="rect">
@@ -11372,7 +11372,7 @@
         </a:p>
       </dsp:txBody>
       <dsp:txXfrm>
-        <a:off x="43" y="1255251"/>
+        <a:off x="0" y="1191635"/>
         <a:ext cx="4180585" cy="1607435"/>
       </dsp:txXfrm>
     </dsp:sp>
@@ -13553,7 +13553,7 @@
       </dsp:nvSpPr>
       <dsp:spPr>
         <a:xfrm>
-          <a:off x="0" y="1523050"/>
+          <a:off x="0" y="1499191"/>
           <a:ext cx="8946541" cy="3711240"/>
         </a:xfrm>
         <a:prstGeom prst="rect">
@@ -13694,7 +13694,7 @@
         </a:p>
       </dsp:txBody>
       <dsp:txXfrm>
-        <a:off x="0" y="1523050"/>
+        <a:off x="0" y="1499191"/>
         <a:ext cx="8946541" cy="3711240"/>
       </dsp:txXfrm>
     </dsp:sp>
@@ -27970,7 +27970,7 @@
           <a:p>
             <a:fld id="{4AAD347D-5ACD-4C99-B74B-A9C85AD731AF}" type="datetimeFigureOut">
               <a:rPr lang="en-US" dirty="0"/>
-              <a:t>20-Jan-17</a:t>
+              <a:t>21-Jan-17</a:t>
             </a:fld>
             <a:endParaRPr lang="en-US" dirty="0"/>
           </a:p>
@@ -28240,7 +28240,7 @@
           <a:p>
             <a:fld id="{4509A250-FF31-4206-8172-F9D3106AACB1}" type="datetimeFigureOut">
               <a:rPr lang="en-US" dirty="0"/>
-              <a:t>20-Jan-17</a:t>
+              <a:t>21-Jan-17</a:t>
             </a:fld>
             <a:endParaRPr lang="en-US" dirty="0"/>
           </a:p>
@@ -28429,7 +28429,7 @@
           <a:p>
             <a:fld id="{4509A250-FF31-4206-8172-F9D3106AACB1}" type="datetimeFigureOut">
               <a:rPr lang="en-US" dirty="0"/>
-              <a:t>20-Jan-17</a:t>
+              <a:t>21-Jan-17</a:t>
             </a:fld>
             <a:endParaRPr lang="en-US" dirty="0"/>
           </a:p>
@@ -28692,7 +28692,7 @@
           <a:p>
             <a:fld id="{4509A250-FF31-4206-8172-F9D3106AACB1}" type="datetimeFigureOut">
               <a:rPr lang="en-US" dirty="0"/>
-              <a:t>20-Jan-17</a:t>
+              <a:t>21-Jan-17</a:t>
             </a:fld>
             <a:endParaRPr lang="en-US" dirty="0"/>
           </a:p>
@@ -29019,7 +29019,7 @@
           <a:p>
             <a:fld id="{4509A250-FF31-4206-8172-F9D3106AACB1}" type="datetimeFigureOut">
               <a:rPr lang="en-US" dirty="0"/>
-              <a:t>20-Jan-17</a:t>
+              <a:t>21-Jan-17</a:t>
             </a:fld>
             <a:endParaRPr lang="en-US" dirty="0"/>
           </a:p>
@@ -29624,7 +29624,7 @@
           <a:p>
             <a:fld id="{4509A250-FF31-4206-8172-F9D3106AACB1}" type="datetimeFigureOut">
               <a:rPr lang="en-US" dirty="0"/>
-              <a:t>20-Jan-17</a:t>
+              <a:t>21-Jan-17</a:t>
             </a:fld>
             <a:endParaRPr lang="en-US" dirty="0"/>
           </a:p>
@@ -30466,7 +30466,7 @@
           <a:p>
             <a:fld id="{4509A250-FF31-4206-8172-F9D3106AACB1}" type="datetimeFigureOut">
               <a:rPr lang="en-US" dirty="0"/>
-              <a:t>20-Jan-17</a:t>
+              <a:t>21-Jan-17</a:t>
             </a:fld>
             <a:endParaRPr lang="en-US" dirty="0"/>
           </a:p>
@@ -30631,7 +30631,7 @@
           <a:p>
             <a:fld id="{4509A250-FF31-4206-8172-F9D3106AACB1}" type="datetimeFigureOut">
               <a:rPr lang="en-US" dirty="0"/>
-              <a:t>20-Jan-17</a:t>
+              <a:t>21-Jan-17</a:t>
             </a:fld>
             <a:endParaRPr lang="en-US" dirty="0"/>
           </a:p>
@@ -30806,7 +30806,7 @@
           <a:p>
             <a:fld id="{4509A250-FF31-4206-8172-F9D3106AACB1}" type="datetimeFigureOut">
               <a:rPr lang="en-US" dirty="0"/>
-              <a:t>20-Jan-17</a:t>
+              <a:t>21-Jan-17</a:t>
             </a:fld>
             <a:endParaRPr lang="en-US" dirty="0"/>
           </a:p>
@@ -30971,7 +30971,7 @@
           <a:p>
             <a:fld id="{4509A250-FF31-4206-8172-F9D3106AACB1}" type="datetimeFigureOut">
               <a:rPr lang="en-US" dirty="0"/>
-              <a:t>20-Jan-17</a:t>
+              <a:t>21-Jan-17</a:t>
             </a:fld>
             <a:endParaRPr lang="en-US" dirty="0"/>
           </a:p>
@@ -31210,7 +31210,7 @@
           <a:p>
             <a:fld id="{4509A250-FF31-4206-8172-F9D3106AACB1}" type="datetimeFigureOut">
               <a:rPr lang="en-US" dirty="0"/>
-              <a:t>20-Jan-17</a:t>
+              <a:t>21-Jan-17</a:t>
             </a:fld>
             <a:endParaRPr lang="en-US" dirty="0"/>
           </a:p>
@@ -31497,7 +31497,7 @@
           <a:p>
             <a:fld id="{4509A250-FF31-4206-8172-F9D3106AACB1}" type="datetimeFigureOut">
               <a:rPr lang="en-US" dirty="0"/>
-              <a:t>20-Jan-17</a:t>
+              <a:t>21-Jan-17</a:t>
             </a:fld>
             <a:endParaRPr lang="en-US" dirty="0"/>
           </a:p>
@@ -31930,7 +31930,7 @@
           <a:p>
             <a:fld id="{4509A250-FF31-4206-8172-F9D3106AACB1}" type="datetimeFigureOut">
               <a:rPr lang="en-US" dirty="0"/>
-              <a:t>20-Jan-17</a:t>
+              <a:t>21-Jan-17</a:t>
             </a:fld>
             <a:endParaRPr lang="en-US" dirty="0"/>
           </a:p>
@@ -32043,7 +32043,7 @@
           <a:p>
             <a:fld id="{4509A250-FF31-4206-8172-F9D3106AACB1}" type="datetimeFigureOut">
               <a:rPr lang="en-US" dirty="0"/>
-              <a:t>20-Jan-17</a:t>
+              <a:t>21-Jan-17</a:t>
             </a:fld>
             <a:endParaRPr lang="en-US" dirty="0"/>
           </a:p>
@@ -32133,7 +32133,7 @@
           <a:p>
             <a:fld id="{4509A250-FF31-4206-8172-F9D3106AACB1}" type="datetimeFigureOut">
               <a:rPr lang="en-US" dirty="0"/>
-              <a:t>20-Jan-17</a:t>
+              <a:t>21-Jan-17</a:t>
             </a:fld>
             <a:endParaRPr lang="en-US" dirty="0"/>
           </a:p>
@@ -32407,7 +32407,7 @@
           <a:p>
             <a:fld id="{4509A250-FF31-4206-8172-F9D3106AACB1}" type="datetimeFigureOut">
               <a:rPr lang="en-US" dirty="0"/>
-              <a:t>20-Jan-17</a:t>
+              <a:t>21-Jan-17</a:t>
             </a:fld>
             <a:endParaRPr lang="en-US" dirty="0"/>
           </a:p>
@@ -32677,7 +32677,7 @@
           <a:p>
             <a:fld id="{4509A250-FF31-4206-8172-F9D3106AACB1}" type="datetimeFigureOut">
               <a:rPr lang="en-US" dirty="0"/>
-              <a:t>20-Jan-17</a:t>
+              <a:t>21-Jan-17</a:t>
             </a:fld>
             <a:endParaRPr lang="en-US" dirty="0"/>
           </a:p>
@@ -33101,7 +33101,7 @@
           <a:p>
             <a:fld id="{4509A250-FF31-4206-8172-F9D3106AACB1}" type="datetimeFigureOut">
               <a:rPr lang="en-US" dirty="0"/>
-              <a:t>20-Jan-17</a:t>
+              <a:t>21-Jan-17</a:t>
             </a:fld>
             <a:endParaRPr lang="en-US" dirty="0"/>
           </a:p>
@@ -33693,13 +33693,13 @@
   <p:clrMapOvr>
     <a:masterClrMapping/>
   </p:clrMapOvr>
-  <mc:AlternateContent xmlns:mc="http://schemas.openxmlformats.org/markup-compatibility/2006">
-    <mc:Choice xmlns:p14="http://schemas.microsoft.com/office/powerpoint/2010/main" Requires="p14">
+  <mc:AlternateContent xmlns:mc="http://schemas.openxmlformats.org/markup-compatibility/2006" xmlns:p14="http://schemas.microsoft.com/office/powerpoint/2010/main">
+    <mc:Choice Requires="p14">
       <p:transition spd="med" p14:dur="700">
         <p:fade/>
       </p:transition>
     </mc:Choice>
-    <mc:Fallback>
+    <mc:Fallback xmlns="">
       <p:transition spd="med">
         <p:fade/>
       </p:transition>
@@ -33787,13 +33787,13 @@
   <p:clrMapOvr>
     <a:masterClrMapping/>
   </p:clrMapOvr>
-  <mc:AlternateContent xmlns:mc="http://schemas.openxmlformats.org/markup-compatibility/2006">
-    <mc:Choice xmlns:p14="http://schemas.microsoft.com/office/powerpoint/2010/main" Requires="p14">
+  <mc:AlternateContent xmlns:mc="http://schemas.openxmlformats.org/markup-compatibility/2006" xmlns:p14="http://schemas.microsoft.com/office/powerpoint/2010/main">
+    <mc:Choice Requires="p14">
       <p:transition spd="med" p14:dur="700">
         <p:fade/>
       </p:transition>
     </mc:Choice>
-    <mc:Fallback>
+    <mc:Fallback xmlns="">
       <p:transition spd="med">
         <p:fade/>
       </p:transition>
@@ -33881,13 +33881,13 @@
   <p:clrMapOvr>
     <a:masterClrMapping/>
   </p:clrMapOvr>
-  <mc:AlternateContent xmlns:mc="http://schemas.openxmlformats.org/markup-compatibility/2006">
-    <mc:Choice xmlns:p14="http://schemas.microsoft.com/office/powerpoint/2010/main" Requires="p14">
+  <mc:AlternateContent xmlns:mc="http://schemas.openxmlformats.org/markup-compatibility/2006" xmlns:p14="http://schemas.microsoft.com/office/powerpoint/2010/main">
+    <mc:Choice Requires="p14">
       <p:transition spd="med" p14:dur="700">
         <p:fade/>
       </p:transition>
     </mc:Choice>
-    <mc:Fallback>
+    <mc:Fallback xmlns="">
       <p:transition spd="med">
         <p:fade/>
       </p:transition>
@@ -33975,13 +33975,13 @@
   <p:clrMapOvr>
     <a:masterClrMapping/>
   </p:clrMapOvr>
-  <mc:AlternateContent xmlns:mc="http://schemas.openxmlformats.org/markup-compatibility/2006">
-    <mc:Choice xmlns:p14="http://schemas.microsoft.com/office/powerpoint/2010/main" Requires="p14">
+  <mc:AlternateContent xmlns:mc="http://schemas.openxmlformats.org/markup-compatibility/2006" xmlns:p14="http://schemas.microsoft.com/office/powerpoint/2010/main">
+    <mc:Choice Requires="p14">
       <p:transition spd="med" p14:dur="700">
         <p:fade/>
       </p:transition>
     </mc:Choice>
-    <mc:Fallback>
+    <mc:Fallback xmlns="">
       <p:transition spd="med">
         <p:fade/>
       </p:transition>
@@ -34069,13 +34069,13 @@
   <p:clrMapOvr>
     <a:masterClrMapping/>
   </p:clrMapOvr>
-  <mc:AlternateContent xmlns:mc="http://schemas.openxmlformats.org/markup-compatibility/2006">
-    <mc:Choice xmlns:p14="http://schemas.microsoft.com/office/powerpoint/2010/main" Requires="p14">
+  <mc:AlternateContent xmlns:mc="http://schemas.openxmlformats.org/markup-compatibility/2006" xmlns:p14="http://schemas.microsoft.com/office/powerpoint/2010/main">
+    <mc:Choice Requires="p14">
       <p:transition spd="med" p14:dur="700">
         <p:fade/>
       </p:transition>
     </mc:Choice>
-    <mc:Fallback>
+    <mc:Fallback xmlns="">
       <p:transition spd="med">
         <p:fade/>
       </p:transition>
@@ -34356,13 +34356,13 @@
   <p:clrMapOvr>
     <a:masterClrMapping/>
   </p:clrMapOvr>
-  <mc:AlternateContent xmlns:mc="http://schemas.openxmlformats.org/markup-compatibility/2006">
-    <mc:Choice xmlns:p14="http://schemas.microsoft.com/office/powerpoint/2010/main" Requires="p14">
+  <mc:AlternateContent xmlns:mc="http://schemas.openxmlformats.org/markup-compatibility/2006" xmlns:p14="http://schemas.microsoft.com/office/powerpoint/2010/main">
+    <mc:Choice Requires="p14">
       <p:transition spd="med" p14:dur="700">
         <p:fade/>
       </p:transition>
     </mc:Choice>
-    <mc:Fallback>
+    <mc:Fallback xmlns="">
       <p:transition spd="med">
         <p:fade/>
       </p:transition>
@@ -34430,13 +34430,13 @@
   <p:clrMapOvr>
     <a:masterClrMapping/>
   </p:clrMapOvr>
-  <mc:AlternateContent xmlns:mc="http://schemas.openxmlformats.org/markup-compatibility/2006">
-    <mc:Choice xmlns:p14="http://schemas.microsoft.com/office/powerpoint/2010/main" Requires="p14">
+  <mc:AlternateContent xmlns:mc="http://schemas.openxmlformats.org/markup-compatibility/2006" xmlns:p14="http://schemas.microsoft.com/office/powerpoint/2010/main">
+    <mc:Choice Requires="p14">
       <p:transition spd="med" p14:dur="700">
         <p:fade/>
       </p:transition>
     </mc:Choice>
-    <mc:Fallback>
+    <mc:Fallback xmlns="">
       <p:transition spd="med">
         <p:fade/>
       </p:transition>
@@ -34659,13 +34659,13 @@
   <p:clrMapOvr>
     <a:masterClrMapping/>
   </p:clrMapOvr>
-  <mc:AlternateContent xmlns:mc="http://schemas.openxmlformats.org/markup-compatibility/2006">
-    <mc:Choice xmlns:p14="http://schemas.microsoft.com/office/powerpoint/2010/main" Requires="p14">
+  <mc:AlternateContent xmlns:mc="http://schemas.openxmlformats.org/markup-compatibility/2006" xmlns:p14="http://schemas.microsoft.com/office/powerpoint/2010/main">
+    <mc:Choice Requires="p14">
       <p:transition spd="med" p14:dur="700">
         <p:fade/>
       </p:transition>
     </mc:Choice>
-    <mc:Fallback>
+    <mc:Fallback xmlns="">
       <p:transition spd="med">
         <p:fade/>
       </p:transition>
@@ -34728,7 +34728,7 @@
             <p:ph idx="1"/>
             <p:extLst>
               <p:ext uri="{D42A27DB-BD31-4B8C-83A1-F6EECF244321}">
-                <p14:modId xmlns:p14="http://schemas.microsoft.com/office/powerpoint/2010/main" val="865026863"/>
+                <p14:modId xmlns:p14="http://schemas.microsoft.com/office/powerpoint/2010/main" val="2840284175"/>
               </p:ext>
             </p:extLst>
           </p:nvPr>
@@ -34753,13 +34753,13 @@
   <p:clrMapOvr>
     <a:masterClrMapping/>
   </p:clrMapOvr>
-  <mc:AlternateContent xmlns:mc="http://schemas.openxmlformats.org/markup-compatibility/2006">
-    <mc:Choice xmlns:p14="http://schemas.microsoft.com/office/powerpoint/2010/main" Requires="p14">
+  <mc:AlternateContent xmlns:mc="http://schemas.openxmlformats.org/markup-compatibility/2006" xmlns:p14="http://schemas.microsoft.com/office/powerpoint/2010/main">
+    <mc:Choice Requires="p14">
       <p:transition spd="med" p14:dur="700">
         <p:fade/>
       </p:transition>
     </mc:Choice>
-    <mc:Fallback>
+    <mc:Fallback xmlns="">
       <p:transition spd="med">
         <p:fade/>
       </p:transition>
@@ -34847,13 +34847,13 @@
   <p:clrMapOvr>
     <a:masterClrMapping/>
   </p:clrMapOvr>
-  <mc:AlternateContent xmlns:mc="http://schemas.openxmlformats.org/markup-compatibility/2006">
-    <mc:Choice xmlns:p14="http://schemas.microsoft.com/office/powerpoint/2010/main" Requires="p14">
+  <mc:AlternateContent xmlns:mc="http://schemas.openxmlformats.org/markup-compatibility/2006" xmlns:p14="http://schemas.microsoft.com/office/powerpoint/2010/main">
+    <mc:Choice Requires="p14">
       <p:transition spd="med" p14:dur="700">
         <p:fade/>
       </p:transition>
     </mc:Choice>
-    <mc:Fallback>
+    <mc:Fallback xmlns="">
       <p:transition spd="med">
         <p:fade/>
       </p:transition>
@@ -34959,13 +34959,13 @@
   <p:clrMapOvr>
     <a:masterClrMapping/>
   </p:clrMapOvr>
-  <mc:AlternateContent xmlns:mc="http://schemas.openxmlformats.org/markup-compatibility/2006">
-    <mc:Choice xmlns:p14="http://schemas.microsoft.com/office/powerpoint/2010/main" Requires="p14">
+  <mc:AlternateContent xmlns:mc="http://schemas.openxmlformats.org/markup-compatibility/2006" xmlns:p14="http://schemas.microsoft.com/office/powerpoint/2010/main">
+    <mc:Choice Requires="p14">
       <p:transition spd="med" p14:dur="700">
         <p:fade/>
       </p:transition>
     </mc:Choice>
-    <mc:Fallback>
+    <mc:Fallback xmlns="">
       <p:transition spd="med">
         <p:fade/>
       </p:transition>
@@ -35053,13 +35053,13 @@
   <p:clrMapOvr>
     <a:masterClrMapping/>
   </p:clrMapOvr>
-  <mc:AlternateContent xmlns:mc="http://schemas.openxmlformats.org/markup-compatibility/2006">
-    <mc:Choice xmlns:p14="http://schemas.microsoft.com/office/powerpoint/2010/main" Requires="p14">
+  <mc:AlternateContent xmlns:mc="http://schemas.openxmlformats.org/markup-compatibility/2006" xmlns:p14="http://schemas.microsoft.com/office/powerpoint/2010/main">
+    <mc:Choice Requires="p14">
       <p:transition spd="med" p14:dur="700">
         <p:fade/>
       </p:transition>
     </mc:Choice>
-    <mc:Fallback>
+    <mc:Fallback xmlns="">
       <p:transition spd="med">
         <p:fade/>
       </p:transition>
@@ -35147,13 +35147,13 @@
   <p:clrMapOvr>
     <a:masterClrMapping/>
   </p:clrMapOvr>
-  <mc:AlternateContent xmlns:mc="http://schemas.openxmlformats.org/markup-compatibility/2006">
-    <mc:Choice xmlns:p14="http://schemas.microsoft.com/office/powerpoint/2010/main" Requires="p14">
+  <mc:AlternateContent xmlns:mc="http://schemas.openxmlformats.org/markup-compatibility/2006" xmlns:p14="http://schemas.microsoft.com/office/powerpoint/2010/main">
+    <mc:Choice Requires="p14">
       <p:transition spd="med" p14:dur="700">
         <p:fade/>
       </p:transition>
     </mc:Choice>
-    <mc:Fallback>
+    <mc:Fallback xmlns="">
       <p:transition spd="med">
         <p:fade/>
       </p:transition>
@@ -35257,13 +35257,13 @@
   <p:clrMapOvr>
     <a:masterClrMapping/>
   </p:clrMapOvr>
-  <mc:AlternateContent xmlns:mc="http://schemas.openxmlformats.org/markup-compatibility/2006">
-    <mc:Choice xmlns:p14="http://schemas.microsoft.com/office/powerpoint/2010/main" Requires="p14">
+  <mc:AlternateContent xmlns:mc="http://schemas.openxmlformats.org/markup-compatibility/2006" xmlns:p14="http://schemas.microsoft.com/office/powerpoint/2010/main">
+    <mc:Choice Requires="p14">
       <p:transition spd="med" p14:dur="700">
         <p:fade/>
       </p:transition>
     </mc:Choice>
-    <mc:Fallback>
+    <mc:Fallback xmlns="">
       <p:transition spd="med">
         <p:fade/>
       </p:transition>
@@ -35342,7 +35342,7 @@
             <p:ph idx="1"/>
             <p:extLst>
               <p:ext uri="{D42A27DB-BD31-4B8C-83A1-F6EECF244321}">
-                <p14:modId xmlns:p14="http://schemas.microsoft.com/office/powerpoint/2010/main" val="2268432149"/>
+                <p14:modId xmlns:p14="http://schemas.microsoft.com/office/powerpoint/2010/main" val="3835450683"/>
               </p:ext>
             </p:extLst>
           </p:nvPr>
@@ -35367,13 +35367,13 @@
   <p:clrMapOvr>
     <a:masterClrMapping/>
   </p:clrMapOvr>
-  <mc:AlternateContent xmlns:mc="http://schemas.openxmlformats.org/markup-compatibility/2006">
-    <mc:Choice xmlns:p14="http://schemas.microsoft.com/office/powerpoint/2010/main" Requires="p14">
+  <mc:AlternateContent xmlns:mc="http://schemas.openxmlformats.org/markup-compatibility/2006" xmlns:p14="http://schemas.microsoft.com/office/powerpoint/2010/main">
+    <mc:Choice Requires="p14">
       <p:transition spd="med" p14:dur="700">
         <p:fade/>
       </p:transition>
     </mc:Choice>
-    <mc:Fallback>
+    <mc:Fallback xmlns="">
       <p:transition spd="med">
         <p:fade/>
       </p:transition>

--- a/docs/documentation/CWMS.pptx
+++ b/docs/documentation/CWMS.pptx
@@ -8984,8 +8984,8 @@
     <dgm:cxn modelId="{7254C10D-1683-4285-8425-08BD1FBB3DF0}" srcId="{FD740DCF-442A-4980-A287-2F71DF1EEDE4}" destId="{5F4D9647-17B1-4E3B-B82B-10A488A23C12}" srcOrd="0" destOrd="0" parTransId="{F0502BFF-650C-4377-825B-73291F652119}" sibTransId="{35620755-E7A1-4A19-8FF9-E51C0E203411}"/>
     <dgm:cxn modelId="{1A06B480-D19B-493C-B65D-CA8B05EBDCA5}" type="presOf" srcId="{8C406133-1113-44D8-9917-E7F717FDA856}" destId="{40FB8B18-BEE4-49C6-8C2B-EA7D91A617E7}" srcOrd="0" destOrd="1" presId="urn:microsoft.com/office/officeart/2005/8/layout/hList1"/>
     <dgm:cxn modelId="{F2CC0443-8EC1-4535-A05D-49A25CC384F2}" type="presOf" srcId="{5F4D9647-17B1-4E3B-B82B-10A488A23C12}" destId="{8E1E662B-DF49-42FD-BF87-5A2E27D573A9}" srcOrd="0" destOrd="0" presId="urn:microsoft.com/office/officeart/2005/8/layout/hList1"/>
+    <dgm:cxn modelId="{F1C9ED0A-D08B-45E3-AA8C-0454B0F9CBF7}" srcId="{5F4D9647-17B1-4E3B-B82B-10A488A23C12}" destId="{79144F06-3C53-4F64-AF7A-B7BED730B740}" srcOrd="0" destOrd="0" parTransId="{DDC83C6A-6FB1-456B-B8A2-B4381B55706A}" sibTransId="{EBDA8ED0-ECDC-4FAE-89A7-A41839BD9F5F}"/>
     <dgm:cxn modelId="{46D32C17-7C09-440F-A387-F68CAECFEF91}" type="presOf" srcId="{FD740DCF-442A-4980-A287-2F71DF1EEDE4}" destId="{09128BBF-6578-42D5-B134-BD627C5FE18D}" srcOrd="0" destOrd="0" presId="urn:microsoft.com/office/officeart/2005/8/layout/hList1"/>
-    <dgm:cxn modelId="{F1C9ED0A-D08B-45E3-AA8C-0454B0F9CBF7}" srcId="{5F4D9647-17B1-4E3B-B82B-10A488A23C12}" destId="{79144F06-3C53-4F64-AF7A-B7BED730B740}" srcOrd="0" destOrd="0" parTransId="{DDC83C6A-6FB1-456B-B8A2-B4381B55706A}" sibTransId="{EBDA8ED0-ECDC-4FAE-89A7-A41839BD9F5F}"/>
     <dgm:cxn modelId="{01C09AB5-367E-43CC-A574-3228E50C1954}" srcId="{5F4D9647-17B1-4E3B-B82B-10A488A23C12}" destId="{8C406133-1113-44D8-9917-E7F717FDA856}" srcOrd="1" destOrd="0" parTransId="{2DB4F40A-29AB-4197-9876-7CF55D0051DC}" sibTransId="{B3531181-24CA-4FC8-9C7E-22504607C1A3}"/>
     <dgm:cxn modelId="{50DFE191-762A-4A69-8021-BFD7DD1A1FD0}" type="presParOf" srcId="{09128BBF-6578-42D5-B134-BD627C5FE18D}" destId="{705E4764-69F4-46B1-A85A-8F46E8434294}" srcOrd="0" destOrd="0" presId="urn:microsoft.com/office/officeart/2005/8/layout/hList1"/>
     <dgm:cxn modelId="{42C7ED75-9390-4B24-8007-94EBE2D5BDDC}" type="presParOf" srcId="{705E4764-69F4-46B1-A85A-8F46E8434294}" destId="{8E1E662B-DF49-42FD-BF87-5A2E27D573A9}" srcOrd="0" destOrd="0" presId="urn:microsoft.com/office/officeart/2005/8/layout/hList1"/>
@@ -9191,8 +9191,8 @@
     <dgm:cxn modelId="{DF8E8545-4152-461A-9D2C-C04031128A45}" type="presOf" srcId="{19596673-B99C-443D-AFED-9D7E4DED7ECD}" destId="{30D5773C-4CC0-44E2-98CA-1E3D1F1EB50C}" srcOrd="0" destOrd="0" presId="urn:microsoft.com/office/officeart/2005/8/layout/hList1"/>
     <dgm:cxn modelId="{8D3EB1F0-5BD1-43EE-AA84-367C76F3E6EB}" srcId="{7669AFC6-5432-4D8B-8AB4-177D4CFD7942}" destId="{2C95C947-DA26-4719-A1D6-53176D0FD5ED}" srcOrd="0" destOrd="0" parTransId="{3B8B109A-7DF4-4DC2-8FF8-86753F3CFC05}" sibTransId="{34069C41-982D-4371-A37B-0189AFB8BDAD}"/>
     <dgm:cxn modelId="{975575D0-C11B-4132-A41D-66C34BA3F25F}" srcId="{19596673-B99C-443D-AFED-9D7E4DED7ECD}" destId="{7669AFC6-5432-4D8B-8AB4-177D4CFD7942}" srcOrd="0" destOrd="0" parTransId="{15895239-B43B-48CF-B34A-E6AECFC4331A}" sibTransId="{53444464-5D74-4DDF-BCC4-FA2BF72DEE17}"/>
+    <dgm:cxn modelId="{8A9F75B9-1A1C-4CAF-AABA-C0F79767EFF9}" type="presOf" srcId="{2C95C947-DA26-4719-A1D6-53176D0FD5ED}" destId="{673D60BE-B1F1-4D0C-8DC1-9A4FACDE1149}" srcOrd="0" destOrd="0" presId="urn:microsoft.com/office/officeart/2005/8/layout/hList1"/>
     <dgm:cxn modelId="{D046F957-F5EB-498E-BA31-8D99351116FE}" type="presOf" srcId="{7669AFC6-5432-4D8B-8AB4-177D4CFD7942}" destId="{6C9C054A-3764-44CE-98FD-D9DEE8F2F0BF}" srcOrd="0" destOrd="0" presId="urn:microsoft.com/office/officeart/2005/8/layout/hList1"/>
-    <dgm:cxn modelId="{8A9F75B9-1A1C-4CAF-AABA-C0F79767EFF9}" type="presOf" srcId="{2C95C947-DA26-4719-A1D6-53176D0FD5ED}" destId="{673D60BE-B1F1-4D0C-8DC1-9A4FACDE1149}" srcOrd="0" destOrd="0" presId="urn:microsoft.com/office/officeart/2005/8/layout/hList1"/>
     <dgm:cxn modelId="{8A21F0AA-D314-4B79-BBF2-95D238373E34}" srcId="{7669AFC6-5432-4D8B-8AB4-177D4CFD7942}" destId="{8D8763B5-7C34-4B68-B0CC-10BB93A7F2F6}" srcOrd="1" destOrd="0" parTransId="{BF17B7F3-2D98-431F-8558-75948C9587BD}" sibTransId="{D5FD497F-499F-497B-9043-0D83C32BCE9B}"/>
     <dgm:cxn modelId="{46E20AF2-4343-4EAB-BF1F-74D9FF984C56}" type="presOf" srcId="{8D8763B5-7C34-4B68-B0CC-10BB93A7F2F6}" destId="{673D60BE-B1F1-4D0C-8DC1-9A4FACDE1149}" srcOrd="0" destOrd="1" presId="urn:microsoft.com/office/officeart/2005/8/layout/hList1"/>
     <dgm:cxn modelId="{1F524F0F-A012-440C-B295-1334ACFB575B}" type="presParOf" srcId="{30D5773C-4CC0-44E2-98CA-1E3D1F1EB50C}" destId="{93688D6E-C11E-435F-B4C6-6F925DE6BF4F}" srcOrd="0" destOrd="0" presId="urn:microsoft.com/office/officeart/2005/8/layout/hList1"/>
@@ -10917,8 +10917,8 @@
   <dgm:cxnLst>
     <dgm:cxn modelId="{268E190D-CD49-4044-B14E-3C60D4FAFECA}" srcId="{4F55C5BC-37F3-4119-A395-3C135107E7EB}" destId="{3DEFDD1E-4B67-4769-9DC4-1A3CE86C4C9D}" srcOrd="0" destOrd="0" parTransId="{50EB8F52-88D0-4EA1-80A7-996840E2150D}" sibTransId="{48618663-14DE-4439-AAED-C6771829B44A}"/>
     <dgm:cxn modelId="{9E8FE318-7FE8-496A-9AEC-A0BCC6CF3A88}" type="presOf" srcId="{81E495AC-B042-4B81-B306-0B7A10ACA34F}" destId="{CB8EFA39-4C8E-40DD-A28F-7B6D001E3944}" srcOrd="0" destOrd="0" presId="urn:microsoft.com/office/officeart/2005/8/layout/hList1"/>
+    <dgm:cxn modelId="{B96A0C2A-2EEF-44AE-8012-D4693592550F}" srcId="{3DEFDD1E-4B67-4769-9DC4-1A3CE86C4C9D}" destId="{81E495AC-B042-4B81-B306-0B7A10ACA34F}" srcOrd="0" destOrd="0" parTransId="{A5ABF4F3-5884-470B-B341-25C610972DF7}" sibTransId="{8E1E45F6-0169-4359-9E37-2830A9685279}"/>
     <dgm:cxn modelId="{CCC48064-0468-4E4F-9C70-FBA7639F4F90}" type="presOf" srcId="{3DEFDD1E-4B67-4769-9DC4-1A3CE86C4C9D}" destId="{A98965DC-33A2-40C1-9C20-C8196759D9A9}" srcOrd="0" destOrd="0" presId="urn:microsoft.com/office/officeart/2005/8/layout/hList1"/>
-    <dgm:cxn modelId="{B96A0C2A-2EEF-44AE-8012-D4693592550F}" srcId="{3DEFDD1E-4B67-4769-9DC4-1A3CE86C4C9D}" destId="{81E495AC-B042-4B81-B306-0B7A10ACA34F}" srcOrd="0" destOrd="0" parTransId="{A5ABF4F3-5884-470B-B341-25C610972DF7}" sibTransId="{8E1E45F6-0169-4359-9E37-2830A9685279}"/>
     <dgm:cxn modelId="{432FF6E2-4F78-45A5-899B-39689AD28C31}" type="presOf" srcId="{4F55C5BC-37F3-4119-A395-3C135107E7EB}" destId="{11F0E7BB-5F92-4A23-8C74-1517EB7657E9}" srcOrd="0" destOrd="0" presId="urn:microsoft.com/office/officeart/2005/8/layout/hList1"/>
     <dgm:cxn modelId="{9B53BD75-7E0C-41E3-A74E-02AD73F69A58}" type="presParOf" srcId="{11F0E7BB-5F92-4A23-8C74-1517EB7657E9}" destId="{796D3B19-F820-4719-AF5B-52776B91FC2F}" srcOrd="0" destOrd="0" presId="urn:microsoft.com/office/officeart/2005/8/layout/hList1"/>
     <dgm:cxn modelId="{15A461BE-C8B4-4142-BC8A-82BA8EB89FB7}" type="presParOf" srcId="{796D3B19-F820-4719-AF5B-52776B91FC2F}" destId="{A98965DC-33A2-40C1-9C20-C8196759D9A9}" srcOrd="0" destOrd="0" presId="urn:microsoft.com/office/officeart/2005/8/layout/hList1"/>
@@ -11167,8 +11167,8 @@
     <dgm:cxn modelId="{B8DD742F-0960-4D00-95D4-DE7C2AC2CF2E}" srcId="{0A61CCF9-6DFC-4AF9-A121-8CBB337C4EF1}" destId="{5EE08A3A-AEC3-49F2-9B3E-03EC95062731}" srcOrd="1" destOrd="0" parTransId="{9BC012EA-9EF5-409C-AEAD-341C8EFE9D0D}" sibTransId="{94FECE6C-95B2-4BE3-B073-99813BE9A4FF}"/>
     <dgm:cxn modelId="{2E68C73C-52CC-46CE-BD75-0AA9DDE81379}" type="presOf" srcId="{5EE08A3A-AEC3-49F2-9B3E-03EC95062731}" destId="{D372B83A-E8B7-45FB-90F7-908FA7E76107}" srcOrd="0" destOrd="1" presId="urn:microsoft.com/office/officeart/2005/8/layout/hList1"/>
     <dgm:cxn modelId="{340C998F-8B84-4835-9F0A-AA0D0D234AFA}" type="presOf" srcId="{0A61CCF9-6DFC-4AF9-A121-8CBB337C4EF1}" destId="{3A53105C-21C1-4E42-B995-73B8DC63555F}" srcOrd="0" destOrd="0" presId="urn:microsoft.com/office/officeart/2005/8/layout/hList1"/>
+    <dgm:cxn modelId="{3B28355F-9A4C-45E8-9182-FD72D7724CF4}" type="presOf" srcId="{AE8FA957-398A-449F-A736-D35188D7914E}" destId="{D372B83A-E8B7-45FB-90F7-908FA7E76107}" srcOrd="0" destOrd="0" presId="urn:microsoft.com/office/officeart/2005/8/layout/hList1"/>
     <dgm:cxn modelId="{F494BE4D-AE36-41F0-8DC1-97E58D628772}" srcId="{0A61CCF9-6DFC-4AF9-A121-8CBB337C4EF1}" destId="{AE8FA957-398A-449F-A736-D35188D7914E}" srcOrd="0" destOrd="0" parTransId="{73034667-1E61-4265-A51B-75EA1D1C5A62}" sibTransId="{1D999214-123F-4DD3-B5D6-ADE95EF1CEA3}"/>
-    <dgm:cxn modelId="{3B28355F-9A4C-45E8-9182-FD72D7724CF4}" type="presOf" srcId="{AE8FA957-398A-449F-A736-D35188D7914E}" destId="{D372B83A-E8B7-45FB-90F7-908FA7E76107}" srcOrd="0" destOrd="0" presId="urn:microsoft.com/office/officeart/2005/8/layout/hList1"/>
     <dgm:cxn modelId="{E1F8C0FE-3A38-49C2-A2B6-2B5DEA90B3C2}" type="presParOf" srcId="{D7AEE80B-6D41-435C-B5F7-C9B03C4B49D4}" destId="{BE16B146-A7ED-4F2B-B832-439BCAF227A6}" srcOrd="0" destOrd="0" presId="urn:microsoft.com/office/officeart/2005/8/layout/hList1"/>
     <dgm:cxn modelId="{79633E00-8962-4BDC-B568-B6773D5AF40A}" type="presParOf" srcId="{BE16B146-A7ED-4F2B-B832-439BCAF227A6}" destId="{3A53105C-21C1-4E42-B995-73B8DC63555F}" srcOrd="0" destOrd="0" presId="urn:microsoft.com/office/officeart/2005/8/layout/hList1"/>
     <dgm:cxn modelId="{A0407BFD-F8D3-4B19-AAFD-220AAB752494}" type="presParOf" srcId="{BE16B146-A7ED-4F2B-B832-439BCAF227A6}" destId="{D372B83A-E8B7-45FB-90F7-908FA7E76107}" srcOrd="1" destOrd="0" presId="urn:microsoft.com/office/officeart/2005/8/layout/hList1"/>
@@ -33742,12 +33742,20 @@
           <a:p>
             <a:pPr algn="r"/>
             <a:r>
+              <a:rPr lang="en-US">
+                <a:solidFill>
+                  <a:srgbClr val="ACD433"/>
+                </a:solidFill>
+              </a:rPr>
+              <a:t>THE ONE </a:t>
+            </a:r>
+            <a:r>
               <a:rPr lang="en-US" dirty="0">
                 <a:solidFill>
                   <a:srgbClr val="ACD433"/>
                 </a:solidFill>
               </a:rPr>
-              <a:t>THE ONES THAT GOT AWAY</a:t>
+              <a:t>THAT GOT AWAY</a:t>
             </a:r>
           </a:p>
         </p:txBody>
